--- a/ВЫПУСКНАЯ КВАЛИФИКАЦИОННАЯ РАБОТА.pptx
+++ b/ВЫПУСКНАЯ КВАЛИФИКАЦИОННАЯ РАБОТА.pptx
@@ -121,6 +121,11 @@
       </a:defRPr>
     </a:lvl9pPr>
   </p:defaultTextStyle>
+  <p:extLst>
+    <p:ext uri="{EFAFB233-063F-42B5-8137-9DF3F51BA10A}">
+      <p15:sldGuideLst xmlns:p15="http://schemas.microsoft.com/office/powerpoint/2012/main"/>
+    </p:ext>
+  </p:extLst>
 </p:presentation>
 </file>
 
@@ -33484,8 +33489,8 @@
         </p:nvSpPr>
         <p:spPr>
           <a:xfrm>
-            <a:off x="0" y="0"/>
-            <a:ext cx="1195873" cy="353332"/>
+            <a:off x="0" y="-1"/>
+            <a:ext cx="1901228" cy="1104523"/>
           </a:xfrm>
         </p:spPr>
         <p:txBody>
@@ -33495,7 +33500,7 @@
           <a:lstStyle/>
           <a:p>
             <a:r>
-              <a:rPr lang="ru-RU" sz="1400" dirty="0"/>
+              <a:rPr lang="ru-RU" sz="2400" dirty="0"/>
               <a:t>Заключение</a:t>
             </a:r>
           </a:p>
@@ -33519,8 +33524,8 @@
         </p:nvSpPr>
         <p:spPr bwMode="auto">
           <a:xfrm>
-            <a:off x="0" y="299258"/>
-            <a:ext cx="12192000" cy="6673622"/>
+            <a:off x="0" y="1912519"/>
+            <a:ext cx="12192000" cy="3447098"/>
           </a:xfrm>
           <a:prstGeom prst="rect">
             <a:avLst/>
@@ -33766,7 +33771,7 @@
                 <a:effectLst/>
                 <a:latin typeface="DeepSeek-CJK-patch"/>
               </a:rPr>
-              <a:t>Для решения этих задач была определена цель создания информационной системы - разработка единой платформы на базе Python/</a:t>
+              <a:t>В результате сравнительного анализа существующих решений (</a:t>
             </a:r>
             <a:r>
               <a:rPr lang="ru-RU" sz="1400" b="0" i="0" dirty="0" err="1">
@@ -33776,6 +33781,66 @@
                 <a:effectLst/>
                 <a:latin typeface="DeepSeek-CJK-patch"/>
               </a:rPr>
+              <a:t>CarService</a:t>
+            </a:r>
+            <a:r>
+              <a:rPr lang="ru-RU" sz="1400" b="0" i="0" dirty="0">
+                <a:solidFill>
+                  <a:srgbClr val="404040"/>
+                </a:solidFill>
+                <a:effectLst/>
+                <a:latin typeface="DeepSeek-CJK-patch"/>
+              </a:rPr>
+              <a:t>, </a:t>
+            </a:r>
+            <a:r>
+              <a:rPr lang="ru-RU" sz="1400" b="0" i="0" dirty="0" err="1">
+                <a:solidFill>
+                  <a:srgbClr val="404040"/>
+                </a:solidFill>
+                <a:effectLst/>
+                <a:latin typeface="DeepSeek-CJK-patch"/>
+              </a:rPr>
+              <a:t>AutoDOCs</a:t>
+            </a:r>
+            <a:r>
+              <a:rPr lang="ru-RU" sz="1400" b="0" i="0" dirty="0">
+                <a:solidFill>
+                  <a:srgbClr val="404040"/>
+                </a:solidFill>
+                <a:effectLst/>
+                <a:latin typeface="DeepSeek-CJK-patch"/>
+              </a:rPr>
+              <a:t>, </a:t>
+            </a:r>
+            <a:r>
+              <a:rPr lang="ru-RU" sz="1400" b="0" i="0" dirty="0" err="1">
+                <a:solidFill>
+                  <a:srgbClr val="404040"/>
+                </a:solidFill>
+                <a:effectLst/>
+                <a:latin typeface="DeepSeek-CJK-patch"/>
+              </a:rPr>
+              <a:t>MyCarWorkshop</a:t>
+            </a:r>
+            <a:r>
+              <a:rPr lang="ru-RU" sz="1400" b="0" i="0" dirty="0">
+                <a:solidFill>
+                  <a:srgbClr val="404040"/>
+                </a:solidFill>
+                <a:effectLst/>
+                <a:latin typeface="DeepSeek-CJK-patch"/>
+              </a:rPr>
+              <a:t>) выявлено, что ни одна из рассмотренных систем не обеспечивает полный цикл автоматизации. На основании проведенного исследования выбраны следующие средства разработки: </a:t>
+            </a:r>
+            <a:r>
+              <a:rPr lang="ru-RU" sz="1400" b="0" i="0" dirty="0" err="1">
+                <a:solidFill>
+                  <a:srgbClr val="404040"/>
+                </a:solidFill>
+                <a:effectLst/>
+                <a:latin typeface="DeepSeek-CJK-patch"/>
+              </a:rPr>
               <a:t>Django</a:t>
             </a:r>
             <a:r>
@@ -33786,22 +33851,18 @@
                 <a:effectLst/>
                 <a:latin typeface="DeepSeek-CJK-patch"/>
               </a:rPr>
-              <a:t>, обеспечивающей сквозную автоматизацию ключевых бизнес-процессов автосервиса: от онлайн-записи клиентов до формирования аналитических отчетов. Система проектируется с учетом следующих характеристик: модульная архитектура, поддержка 100+ одновременных пользователей, время отклика интерфейса не более 2 секунд, интеграция с 3+ API поставщиков запчастей.</a:t>
-            </a:r>
-          </a:p>
-          <a:p>
-            <a:pPr marL="0" indent="0" algn="just">
-              <a:lnSpc>
-                <a:spcPct val="100000"/>
-              </a:lnSpc>
-              <a:spcBef>
-                <a:spcPts val="1029"/>
-              </a:spcBef>
-              <a:spcAft>
-                <a:spcPts val="1029"/>
-              </a:spcAft>
-              <a:buNone/>
-            </a:pPr>
+              <a:t> в качестве </a:t>
+            </a:r>
+            <a:r>
+              <a:rPr lang="ru-RU" sz="1400" b="0" i="0" dirty="0" err="1">
+                <a:solidFill>
+                  <a:srgbClr val="404040"/>
+                </a:solidFill>
+                <a:effectLst/>
+                <a:latin typeface="DeepSeek-CJK-patch"/>
+              </a:rPr>
+              <a:t>backend</a:t>
+            </a:r>
             <a:r>
               <a:rPr lang="ru-RU" sz="1400" b="0" i="0" dirty="0">
                 <a:solidFill>
@@ -33810,7 +33871,7 @@
                 <a:effectLst/>
                 <a:latin typeface="DeepSeek-CJK-patch"/>
               </a:rPr>
-              <a:t>В результате сравнительного анализа существующих решений (</a:t>
+              <a:t>-фреймворка, </a:t>
             </a:r>
             <a:r>
               <a:rPr lang="ru-RU" sz="1400" b="0" i="0" dirty="0" err="1">
@@ -33820,7 +33881,7 @@
                 <a:effectLst/>
                 <a:latin typeface="DeepSeek-CJK-patch"/>
               </a:rPr>
-              <a:t>CarService</a:t>
+              <a:t>PostgreSQL</a:t>
             </a:r>
             <a:r>
               <a:rPr lang="ru-RU" sz="1400" b="0" i="0" dirty="0">
@@ -33830,117 +33891,17 @@
                 <a:effectLst/>
                 <a:latin typeface="DeepSeek-CJK-patch"/>
               </a:rPr>
-              <a:t>, </a:t>
-            </a:r>
-            <a:r>
-              <a:rPr lang="ru-RU" sz="1400" b="0" i="0" dirty="0" err="1">
+              <a:t> как СУБД, React.js для клиентской части. Для проектирования архитектуры применялись CASE-средства: </a:t>
+            </a:r>
+            <a:r>
+              <a:rPr lang="en-US" sz="1400" b="0" i="0" dirty="0" err="1">
                 <a:solidFill>
                   <a:srgbClr val="404040"/>
                 </a:solidFill>
                 <a:effectLst/>
                 <a:latin typeface="DeepSeek-CJK-patch"/>
               </a:rPr>
-              <a:t>AutoDOCs</a:t>
-            </a:r>
-            <a:r>
-              <a:rPr lang="ru-RU" sz="1400" b="0" i="0" dirty="0">
-                <a:solidFill>
-                  <a:srgbClr val="404040"/>
-                </a:solidFill>
-                <a:effectLst/>
-                <a:latin typeface="DeepSeek-CJK-patch"/>
-              </a:rPr>
-              <a:t>, </a:t>
-            </a:r>
-            <a:r>
-              <a:rPr lang="ru-RU" sz="1400" b="0" i="0" dirty="0" err="1">
-                <a:solidFill>
-                  <a:srgbClr val="404040"/>
-                </a:solidFill>
-                <a:effectLst/>
-                <a:latin typeface="DeepSeek-CJK-patch"/>
-              </a:rPr>
-              <a:t>MyCarWorkshop</a:t>
-            </a:r>
-            <a:r>
-              <a:rPr lang="ru-RU" sz="1400" b="0" i="0" dirty="0">
-                <a:solidFill>
-                  <a:srgbClr val="404040"/>
-                </a:solidFill>
-                <a:effectLst/>
-                <a:latin typeface="DeepSeek-CJK-patch"/>
-              </a:rPr>
-              <a:t>) выявлено, что ни одна из рассмотренных систем не обеспечивает полный цикл автоматизации. На основании проведенного исследования выбраны следующие средства разработки: </a:t>
-            </a:r>
-            <a:r>
-              <a:rPr lang="ru-RU" sz="1400" b="0" i="0" dirty="0" err="1">
-                <a:solidFill>
-                  <a:srgbClr val="404040"/>
-                </a:solidFill>
-                <a:effectLst/>
-                <a:latin typeface="DeepSeek-CJK-patch"/>
-              </a:rPr>
-              <a:t>Django</a:t>
-            </a:r>
-            <a:r>
-              <a:rPr lang="ru-RU" sz="1400" b="0" i="0" dirty="0">
-                <a:solidFill>
-                  <a:srgbClr val="404040"/>
-                </a:solidFill>
-                <a:effectLst/>
-                <a:latin typeface="DeepSeek-CJK-patch"/>
-              </a:rPr>
-              <a:t> в качестве </a:t>
-            </a:r>
-            <a:r>
-              <a:rPr lang="ru-RU" sz="1400" b="0" i="0" dirty="0" err="1">
-                <a:solidFill>
-                  <a:srgbClr val="404040"/>
-                </a:solidFill>
-                <a:effectLst/>
-                <a:latin typeface="DeepSeek-CJK-patch"/>
-              </a:rPr>
-              <a:t>backend</a:t>
-            </a:r>
-            <a:r>
-              <a:rPr lang="ru-RU" sz="1400" b="0" i="0" dirty="0">
-                <a:solidFill>
-                  <a:srgbClr val="404040"/>
-                </a:solidFill>
-                <a:effectLst/>
-                <a:latin typeface="DeepSeek-CJK-patch"/>
-              </a:rPr>
-              <a:t>-фреймворка, </a:t>
-            </a:r>
-            <a:r>
-              <a:rPr lang="ru-RU" sz="1400" b="0" i="0" dirty="0" err="1">
-                <a:solidFill>
-                  <a:srgbClr val="404040"/>
-                </a:solidFill>
-                <a:effectLst/>
-                <a:latin typeface="DeepSeek-CJK-patch"/>
-              </a:rPr>
-              <a:t>PostgreSQL</a:t>
-            </a:r>
-            <a:r>
-              <a:rPr lang="ru-RU" sz="1400" b="0" i="0" dirty="0">
-                <a:solidFill>
-                  <a:srgbClr val="404040"/>
-                </a:solidFill>
-                <a:effectLst/>
-                <a:latin typeface="DeepSeek-CJK-patch"/>
-              </a:rPr>
-              <a:t> как СУБД, React.js для клиентской части. Для проектирования архитектуры применялись CASE-средства: </a:t>
-            </a:r>
-            <a:r>
-              <a:rPr lang="ru-RU" sz="1400" b="0" i="0" dirty="0" err="1">
-                <a:solidFill>
-                  <a:srgbClr val="404040"/>
-                </a:solidFill>
-                <a:effectLst/>
-                <a:latin typeface="DeepSeek-CJK-patch"/>
-              </a:rPr>
-              <a:t>PlantUML</a:t>
+              <a:t>ArisExpress</a:t>
             </a:r>
             <a:r>
               <a:rPr lang="ru-RU" sz="1400" b="0" i="0" dirty="0">
@@ -34001,91 +33962,6 @@
                 <a:latin typeface="DeepSeek-CJK-patch"/>
               </a:rPr>
               <a:t> 4.2), техническому (Ubuntu 22.04 LTS).</a:t>
-            </a:r>
-          </a:p>
-          <a:p>
-            <a:pPr algn="just">
-              <a:lnSpc>
-                <a:spcPct val="100000"/>
-              </a:lnSpc>
-              <a:spcBef>
-                <a:spcPts val="1029"/>
-              </a:spcBef>
-              <a:spcAft>
-                <a:spcPts val="1029"/>
-              </a:spcAft>
-              <a:buNone/>
-            </a:pPr>
-            <a:r>
-              <a:rPr lang="ru-RU" sz="1400" b="0" i="0" dirty="0">
-                <a:solidFill>
-                  <a:srgbClr val="404040"/>
-                </a:solidFill>
-                <a:effectLst/>
-                <a:latin typeface="DeepSeek-CJK-patch"/>
-              </a:rPr>
-              <a:t>В части надежности система должна обеспечивать доступность 99.9%, для чего предусмотрены механизмы репликации БД и ежечасного резервного копирования. Требования к безопасности включают: шифрование данных (AES-256), двухфакторную аутентификацию для администраторов, ролевую модель управления доступом (RBAC). Эргономические требования предусматривают адаптивный интерфейс, соответствующий стандартам WCAG 2.1, с поддержкой как десктопных, так и мобильных устройств.</a:t>
-            </a:r>
-          </a:p>
-          <a:p>
-            <a:pPr marL="0" indent="0" algn="just">
-              <a:lnSpc>
-                <a:spcPct val="100000"/>
-              </a:lnSpc>
-              <a:spcBef>
-                <a:spcPts val="1029"/>
-              </a:spcBef>
-              <a:buNone/>
-            </a:pPr>
-            <a:r>
-              <a:rPr lang="ru-RU" sz="1400" b="0" i="0" dirty="0">
-                <a:solidFill>
-                  <a:srgbClr val="404040"/>
-                </a:solidFill>
-                <a:effectLst/>
-                <a:latin typeface="DeepSeek-CJK-patch"/>
-              </a:rPr>
-              <a:t>Эксплуатационные требования учитывают простоту развертывания через </a:t>
-            </a:r>
-            <a:r>
-              <a:rPr lang="ru-RU" sz="1400" b="0" i="0" dirty="0" err="1">
-                <a:solidFill>
-                  <a:srgbClr val="404040"/>
-                </a:solidFill>
-                <a:effectLst/>
-                <a:latin typeface="DeepSeek-CJK-patch"/>
-              </a:rPr>
-              <a:t>Docker</a:t>
-            </a:r>
-            <a:r>
-              <a:rPr lang="ru-RU" sz="1400" b="0" i="0" dirty="0">
-                <a:solidFill>
-                  <a:srgbClr val="404040"/>
-                </a:solidFill>
-                <a:effectLst/>
-                <a:latin typeface="DeepSeek-CJK-patch"/>
-              </a:rPr>
-              <a:t>-контейнеры, наличие подробной документации для администраторов и систему мониторинга на базе </a:t>
-            </a:r>
-            <a:r>
-              <a:rPr lang="ru-RU" sz="1400" b="0" i="0" dirty="0" err="1">
-                <a:solidFill>
-                  <a:srgbClr val="404040"/>
-                </a:solidFill>
-                <a:effectLst/>
-                <a:latin typeface="DeepSeek-CJK-patch"/>
-              </a:rPr>
-              <a:t>Prometheus+Grafana</a:t>
-            </a:r>
-            <a:r>
-              <a:rPr lang="ru-RU" sz="1400" b="0" i="0" dirty="0">
-                <a:solidFill>
-                  <a:srgbClr val="404040"/>
-                </a:solidFill>
-                <a:effectLst/>
-                <a:latin typeface="DeepSeek-CJK-patch"/>
-              </a:rPr>
-              <a:t>. Проведенный экономический расчет показал, что срок окупаемости системы составит 19 месяцев при бюджете разработки 1.7 млн рублей. Оценка рисков выявила наиболее критичные моменты: задержки интеграции с API поставщиков (вероятность 45%) и недостаточная производительность под нагрузкой (вероятность 30%), для которых разработаны компенсирующие меры.</a:t>
             </a:r>
           </a:p>
           <a:p>
